--- a/BEP/modified ppt/anaconda&docker.pptx
+++ b/BEP/modified ppt/anaconda&docker.pptx
@@ -573,254 +573,186 @@
           <a:bodyPr/>
           <a:lstStyle/>
           <a:p>
-            <a:r>
-              <a:rPr lang="en-US" altLang="ko-KR" dirty="0"/>
-              <a:t>1. Anaconda</a:t>
-            </a:r>
-            <a:r>
-              <a:rPr lang="zh-CN" altLang="en-US" dirty="0"/>
-              <a:t>简介</a:t>
-            </a:r>
-            <a:r>
-              <a:rPr lang="en-US" altLang="ko-KR" dirty="0"/>
-              <a:t>Anaconda</a:t>
-            </a:r>
-            <a:r>
-              <a:rPr lang="zh-CN" altLang="en-US" dirty="0"/>
-              <a:t>包括</a:t>
-            </a:r>
-            <a:r>
-              <a:rPr lang="en-US" altLang="ko-KR" dirty="0" err="1"/>
-              <a:t>Conda</a:t>
-            </a:r>
-            <a:r>
-              <a:rPr lang="ko-KR" altLang="en-US" dirty="0"/>
-              <a:t>、</a:t>
-            </a:r>
-            <a:r>
-              <a:rPr lang="en-US" altLang="ko-KR" dirty="0"/>
-              <a:t>Python</a:t>
-            </a:r>
-            <a:r>
-              <a:rPr lang="zh-CN" altLang="en-US" dirty="0"/>
-              <a:t>以及一大堆安装好的工具包，比如：</a:t>
-            </a:r>
-            <a:r>
-              <a:rPr lang="en-US" altLang="ko-KR" dirty="0" err="1"/>
-              <a:t>numpy</a:t>
-            </a:r>
-            <a:r>
-              <a:rPr lang="ko-KR" altLang="en-US" dirty="0"/>
-              <a:t>、</a:t>
-            </a:r>
-            <a:r>
-              <a:rPr lang="en-US" altLang="ko-KR" dirty="0"/>
-              <a:t>pandas</a:t>
-            </a:r>
-            <a:r>
-              <a:rPr lang="zh-CN" altLang="en-US" dirty="0"/>
-              <a:t>等因此安装</a:t>
-            </a:r>
-            <a:r>
-              <a:rPr lang="en-US" altLang="ko-KR" dirty="0"/>
-              <a:t>Anaconda</a:t>
-            </a:r>
-            <a:r>
-              <a:rPr lang="zh-CN" altLang="en-US" dirty="0"/>
-              <a:t>的好处主要为以下几点：</a:t>
-            </a:r>
-            <a:r>
-              <a:rPr lang="en-US" altLang="zh-CN" dirty="0"/>
-              <a:t>1</a:t>
-            </a:r>
-            <a:r>
-              <a:rPr lang="zh-CN" altLang="en-US" dirty="0"/>
-              <a:t>）包含</a:t>
-            </a:r>
-            <a:r>
-              <a:rPr lang="en-US" altLang="ko-KR" dirty="0" err="1"/>
+            <a:pPr marL="228600" indent="-228600">
+              <a:buAutoNum type="arabicPeriod"/>
+            </a:pPr>
+            <a:r>
+              <a:rPr lang="zh-CN" altLang="en-US" b="0" i="0" dirty="0">
+                <a:solidFill>
+                  <a:srgbClr val="4D4D4D"/>
+                </a:solidFill>
+                <a:effectLst/>
+                <a:latin typeface="-apple-system"/>
+              </a:rPr>
+              <a:t>这里的</a:t>
+            </a:r>
+            <a:r>
+              <a:rPr lang="en-US" altLang="zh-CN" b="0" i="0" dirty="0" err="1">
+                <a:solidFill>
+                  <a:srgbClr val="4D4D4D"/>
+                </a:solidFill>
+                <a:effectLst/>
+                <a:latin typeface="-apple-system"/>
+              </a:rPr>
               <a:t>conda</a:t>
             </a:r>
             <a:r>
-              <a:rPr lang="ko-KR" altLang="en-US" dirty="0"/>
-              <a:t>：</a:t>
-            </a:r>
-            <a:r>
-              <a:rPr lang="en-US" altLang="ko-KR" dirty="0" err="1"/>
+              <a:rPr lang="zh-CN" altLang="en-US" b="0" i="0" dirty="0">
+                <a:solidFill>
+                  <a:srgbClr val="4D4D4D"/>
+                </a:solidFill>
+                <a:effectLst/>
+                <a:latin typeface="-apple-system"/>
+              </a:rPr>
+              <a:t>，指的是</a:t>
+            </a:r>
+            <a:r>
+              <a:rPr lang="en-US" altLang="zh-CN" b="0" i="0" dirty="0">
+                <a:solidFill>
+                  <a:srgbClr val="4D4D4D"/>
+                </a:solidFill>
+                <a:effectLst/>
+                <a:latin typeface="-apple-system"/>
+              </a:rPr>
+              <a:t>anaconda</a:t>
+            </a:r>
+            <a:r>
+              <a:rPr lang="zh-CN" altLang="en-US" b="0" i="0" dirty="0">
+                <a:solidFill>
+                  <a:srgbClr val="4D4D4D"/>
+                </a:solidFill>
+                <a:effectLst/>
+                <a:latin typeface="-apple-system"/>
+              </a:rPr>
+              <a:t>和</a:t>
+            </a:r>
+            <a:r>
+              <a:rPr lang="en-US" altLang="zh-CN" b="0" i="0" dirty="0" err="1">
+                <a:solidFill>
+                  <a:srgbClr val="4D4D4D"/>
+                </a:solidFill>
+                <a:effectLst/>
+                <a:latin typeface="-apple-system"/>
+              </a:rPr>
+              <a:t>miniconda</a:t>
+            </a:r>
+            <a:r>
+              <a:rPr lang="zh-CN" altLang="en-US" b="0" i="0" dirty="0">
+                <a:solidFill>
+                  <a:srgbClr val="4D4D4D"/>
+                </a:solidFill>
+                <a:effectLst/>
+                <a:latin typeface="-apple-system"/>
+              </a:rPr>
+              <a:t>，两者的区别是，前者有（十分卡顿的）</a:t>
+            </a:r>
+            <a:r>
+              <a:rPr lang="en-US" altLang="zh-CN" b="0" i="0" dirty="0">
+                <a:solidFill>
+                  <a:srgbClr val="4D4D4D"/>
+                </a:solidFill>
+                <a:effectLst/>
+                <a:latin typeface="-apple-system"/>
+              </a:rPr>
+              <a:t>UI</a:t>
+            </a:r>
+            <a:r>
+              <a:rPr lang="zh-CN" altLang="en-US" b="0" i="0" dirty="0">
+                <a:solidFill>
+                  <a:srgbClr val="4D4D4D"/>
+                </a:solidFill>
+                <a:effectLst/>
+                <a:latin typeface="-apple-system"/>
+              </a:rPr>
+              <a:t>界面，后者只能使用命令行。这里推荐</a:t>
+            </a:r>
+            <a:r>
+              <a:rPr lang="en-US" altLang="zh-CN" b="0" i="0" dirty="0" err="1">
+                <a:solidFill>
+                  <a:srgbClr val="4D4D4D"/>
+                </a:solidFill>
+                <a:effectLst/>
+                <a:latin typeface="-apple-system"/>
+              </a:rPr>
+              <a:t>miniconda</a:t>
+            </a:r>
+            <a:r>
+              <a:rPr lang="zh-CN" altLang="en-US" b="0" i="0" dirty="0">
+                <a:solidFill>
+                  <a:srgbClr val="4D4D4D"/>
+                </a:solidFill>
+                <a:effectLst/>
+                <a:latin typeface="-apple-system"/>
+              </a:rPr>
+              <a:t>，方便快捷。但是如果你是第一次使用</a:t>
+            </a:r>
+            <a:r>
+              <a:rPr lang="en-US" altLang="zh-CN" b="0" i="0" dirty="0" err="1">
+                <a:solidFill>
+                  <a:srgbClr val="4D4D4D"/>
+                </a:solidFill>
+                <a:effectLst/>
+                <a:latin typeface="-apple-system"/>
+              </a:rPr>
               <a:t>conda</a:t>
             </a:r>
             <a:r>
-              <a:rPr lang="zh-CN" altLang="en-US" dirty="0"/>
-              <a:t>是一个环境管理器，其功能依靠</a:t>
-            </a:r>
-            <a:r>
-              <a:rPr lang="en-US" altLang="ko-KR" dirty="0" err="1"/>
-              <a:t>conda</a:t>
-            </a:r>
-            <a:r>
-              <a:rPr lang="zh-CN" altLang="en-US" dirty="0"/>
-              <a:t>包来实现，该环境管理器与</a:t>
-            </a:r>
-            <a:r>
-              <a:rPr lang="en-US" altLang="ko-KR" dirty="0"/>
-              <a:t>pip</a:t>
-            </a:r>
-            <a:r>
-              <a:rPr lang="zh-CN" altLang="en-US" dirty="0"/>
-              <a:t>类似，那有童鞋会问了：我能通过</a:t>
-            </a:r>
-            <a:r>
-              <a:rPr lang="en-US" altLang="ko-KR" dirty="0"/>
-              <a:t>pip</a:t>
-            </a:r>
-            <a:r>
-              <a:rPr lang="zh-CN" altLang="en-US" dirty="0"/>
-              <a:t>装</a:t>
-            </a:r>
-            <a:r>
-              <a:rPr lang="en-US" altLang="ko-KR" dirty="0" err="1"/>
-              <a:t>conda</a:t>
-            </a:r>
-            <a:r>
-              <a:rPr lang="zh-CN" altLang="en-US" dirty="0"/>
-              <a:t>包达到</a:t>
-            </a:r>
-            <a:r>
-              <a:rPr lang="en-US" altLang="ko-KR" dirty="0" err="1"/>
-              <a:t>conda</a:t>
-            </a:r>
-            <a:r>
-              <a:rPr lang="zh-CN" altLang="en-US" dirty="0"/>
-              <a:t>环境管理器一样的功能吗？答案是不能，</a:t>
-            </a:r>
-            <a:r>
-              <a:rPr lang="en-US" altLang="ko-KR" dirty="0" err="1"/>
-              <a:t>conda</a:t>
-            </a:r>
-            <a:r>
-              <a:rPr lang="zh-CN" altLang="en-US" dirty="0"/>
-              <a:t>包的实现离不开</a:t>
-            </a:r>
-            <a:r>
-              <a:rPr lang="en-US" altLang="ko-KR" dirty="0" err="1"/>
-              <a:t>conda</a:t>
-            </a:r>
-            <a:r>
-              <a:rPr lang="zh-CN" altLang="en-US" dirty="0"/>
-              <a:t>环境管理器。想详细知道两者异同可以去知乎遛一遛</a:t>
-            </a:r>
-            <a:r>
-              <a:rPr lang="en-US" altLang="ko-KR" dirty="0"/>
-              <a:t>https://www.zhihu.com/question/2791523202</a:t>
-            </a:r>
-            <a:r>
-              <a:rPr lang="ko-KR" altLang="en-US" dirty="0"/>
-              <a:t>）</a:t>
-            </a:r>
-            <a:r>
-              <a:rPr lang="zh-CN" altLang="en-US" dirty="0"/>
-              <a:t>安装大量工具包：</a:t>
-            </a:r>
-            <a:r>
-              <a:rPr lang="en-US" altLang="ko-KR" dirty="0"/>
-              <a:t>Anaconda</a:t>
-            </a:r>
-            <a:r>
-              <a:rPr lang="zh-CN" altLang="en-US" dirty="0"/>
-              <a:t>会自动安装一个基本的</a:t>
-            </a:r>
-            <a:r>
-              <a:rPr lang="en-US" altLang="ko-KR" dirty="0"/>
-              <a:t>python</a:t>
-            </a:r>
-            <a:r>
-              <a:rPr lang="ko-KR" altLang="en-US" dirty="0"/>
-              <a:t>，</a:t>
-            </a:r>
-            <a:r>
-              <a:rPr lang="zh-CN" altLang="en-US" dirty="0"/>
-              <a:t>该</a:t>
-            </a:r>
-            <a:r>
-              <a:rPr lang="en-US" altLang="ko-KR" dirty="0"/>
-              <a:t>python</a:t>
-            </a:r>
-            <a:r>
-              <a:rPr lang="zh-CN" altLang="en-US" dirty="0"/>
-              <a:t>的版本</a:t>
-            </a:r>
-            <a:r>
-              <a:rPr lang="en-US" altLang="ko-KR" dirty="0"/>
-              <a:t>Anaconda</a:t>
-            </a:r>
-            <a:r>
-              <a:rPr lang="zh-CN" altLang="en-US" dirty="0"/>
-              <a:t>的版本有关。该</a:t>
-            </a:r>
-            <a:r>
-              <a:rPr lang="en-US" altLang="ko-KR" dirty="0"/>
-              <a:t>python</a:t>
-            </a:r>
-            <a:r>
-              <a:rPr lang="zh-CN" altLang="en-US" dirty="0"/>
-              <a:t>下已经装好了一大堆工具包，这对于科学分析计算是一大便利，你愿意费时耗力使用</a:t>
-            </a:r>
-            <a:r>
-              <a:rPr lang="en-US" altLang="ko-KR" dirty="0"/>
-              <a:t>pip</a:t>
-            </a:r>
-            <a:r>
-              <a:rPr lang="zh-CN" altLang="en-US" dirty="0"/>
-              <a:t>一个个包去装吗？</a:t>
-            </a:r>
-            <a:r>
-              <a:rPr lang="en-US" altLang="zh-CN" dirty="0"/>
-              <a:t>3</a:t>
-            </a:r>
-            <a:r>
-              <a:rPr lang="zh-CN" altLang="en-US" dirty="0"/>
-              <a:t>）可以创建使用和管理多个不同的</a:t>
-            </a:r>
-            <a:r>
-              <a:rPr lang="en-US" altLang="ko-KR" dirty="0"/>
-              <a:t>Python</a:t>
-            </a:r>
-            <a:r>
-              <a:rPr lang="zh-CN" altLang="en-US" dirty="0"/>
-              <a:t>版本：比如想要新建一个新框架或者使用不同于</a:t>
-            </a:r>
-            <a:r>
-              <a:rPr lang="en-US" altLang="ko-KR" dirty="0" err="1"/>
-              <a:t>Anoconda</a:t>
-            </a:r>
-            <a:r>
-              <a:rPr lang="zh-CN" altLang="en-US" dirty="0"/>
-              <a:t>装的基本</a:t>
-            </a:r>
-            <a:r>
-              <a:rPr lang="en-US" altLang="ko-KR" dirty="0"/>
-              <a:t>Python</a:t>
-            </a:r>
-            <a:r>
-              <a:rPr lang="zh-CN" altLang="en-US" dirty="0"/>
-              <a:t>版本，</a:t>
-            </a:r>
-            <a:r>
-              <a:rPr lang="en-US" altLang="ko-KR" dirty="0" err="1"/>
-              <a:t>Anoconda</a:t>
-            </a:r>
-            <a:r>
-              <a:rPr lang="zh-CN" altLang="en-US" dirty="0"/>
-              <a:t>就可以实现同时多个</a:t>
-            </a:r>
-            <a:r>
-              <a:rPr lang="en-US" altLang="ko-KR" dirty="0"/>
-              <a:t>python</a:t>
-            </a:r>
-            <a:r>
-              <a:rPr lang="zh-CN" altLang="en-US" dirty="0"/>
-              <a:t>版本的管理</a:t>
-            </a:r>
+              <a:rPr lang="zh-CN" altLang="en-US" b="0" i="0" dirty="0">
+                <a:solidFill>
+                  <a:srgbClr val="4D4D4D"/>
+                </a:solidFill>
+                <a:effectLst/>
+                <a:latin typeface="-apple-system"/>
+              </a:rPr>
+              <a:t>，也可以从</a:t>
+            </a:r>
+            <a:r>
+              <a:rPr lang="en-US" altLang="zh-CN" b="0" i="0" dirty="0">
+                <a:solidFill>
+                  <a:srgbClr val="4D4D4D"/>
+                </a:solidFill>
+                <a:effectLst/>
+                <a:latin typeface="-apple-system"/>
+              </a:rPr>
+              <a:t>anaconda</a:t>
+            </a:r>
+            <a:r>
+              <a:rPr lang="zh-CN" altLang="en-US" b="0" i="0" dirty="0">
+                <a:solidFill>
+                  <a:srgbClr val="4D4D4D"/>
+                </a:solidFill>
+                <a:effectLst/>
+                <a:latin typeface="-apple-system"/>
+              </a:rPr>
+              <a:t>入手，唯一的区别的就是</a:t>
+            </a:r>
+            <a:r>
+              <a:rPr lang="en-US" altLang="zh-CN" b="0" i="0" dirty="0" err="1">
+                <a:solidFill>
+                  <a:srgbClr val="4D4D4D"/>
+                </a:solidFill>
+                <a:effectLst/>
+                <a:latin typeface="-apple-system"/>
+              </a:rPr>
+              <a:t>miniconda</a:t>
+            </a:r>
+            <a:r>
+              <a:rPr lang="zh-CN" altLang="en-US" b="0" i="0" dirty="0">
+                <a:solidFill>
+                  <a:srgbClr val="4D4D4D"/>
+                </a:solidFill>
+                <a:effectLst/>
+                <a:latin typeface="-apple-system"/>
+              </a:rPr>
+              <a:t>占用的空间少，但是一切操作都需要命令。</a:t>
+            </a:r>
+            <a:endParaRPr lang="en-US" altLang="zh-CN" b="0" i="0" dirty="0">
+              <a:solidFill>
+                <a:srgbClr val="4D4D4D"/>
+              </a:solidFill>
+              <a:effectLst/>
+              <a:latin typeface="-apple-system"/>
+            </a:endParaRPr>
           </a:p>
         </p:txBody>
       </p:sp>
@@ -3067,6 +2999,335 @@
               <a:rPr lang="zh-CN" altLang="en-US" dirty="0"/>
               <a:t>的官方网站，然后选择你的系统，下载就好了</a:t>
             </a:r>
+            <a:endParaRPr lang="en-US" altLang="zh-CN" dirty="0"/>
+          </a:p>
+          <a:p>
+            <a:endParaRPr lang="en-US" altLang="zh-CN" dirty="0"/>
+          </a:p>
+          <a:p>
+            <a:pPr marL="0" marR="0" lvl="0" indent="0" algn="l" defTabSz="914400" rtl="0" eaLnBrk="1" fontAlgn="auto" latinLnBrk="1" hangingPunct="1">
+              <a:lnSpc>
+                <a:spcPct val="100000"/>
+              </a:lnSpc>
+              <a:spcBef>
+                <a:spcPts val="0"/>
+              </a:spcBef>
+              <a:spcAft>
+                <a:spcPts val="0"/>
+              </a:spcAft>
+              <a:buClrTx/>
+              <a:buSzTx/>
+              <a:buFontTx/>
+              <a:buNone/>
+              <a:tabLst/>
+              <a:defRPr/>
+            </a:pPr>
+            <a:r>
+              <a:rPr lang="zh-CN" altLang="en-US" b="0" i="0" dirty="0">
+                <a:solidFill>
+                  <a:srgbClr val="4D4D4D"/>
+                </a:solidFill>
+                <a:effectLst/>
+                <a:latin typeface="-apple-system"/>
+              </a:rPr>
+              <a:t>其实</a:t>
+            </a:r>
+            <a:r>
+              <a:rPr lang="en-US" altLang="zh-CN" b="0" i="0" dirty="0" err="1">
+                <a:solidFill>
+                  <a:srgbClr val="4D4D4D"/>
+                </a:solidFill>
+                <a:effectLst/>
+                <a:latin typeface="-apple-system"/>
+              </a:rPr>
+              <a:t>conda</a:t>
+            </a:r>
+            <a:r>
+              <a:rPr lang="zh-CN" altLang="en-US" b="0" i="0" dirty="0">
+                <a:solidFill>
+                  <a:srgbClr val="4D4D4D"/>
+                </a:solidFill>
+                <a:effectLst/>
+                <a:latin typeface="-apple-system"/>
+              </a:rPr>
+              <a:t>有两个发行版（</a:t>
+            </a:r>
+            <a:r>
+              <a:rPr lang="en-US" altLang="zh-CN" b="0" i="0" dirty="0">
+                <a:solidFill>
+                  <a:srgbClr val="4D4D4D"/>
+                </a:solidFill>
+                <a:effectLst/>
+                <a:latin typeface="-apple-system"/>
+              </a:rPr>
+              <a:t>releases</a:t>
+            </a:r>
+            <a:r>
+              <a:rPr lang="zh-CN" altLang="en-US" b="0" i="0" dirty="0">
+                <a:solidFill>
+                  <a:srgbClr val="4D4D4D"/>
+                </a:solidFill>
+                <a:effectLst/>
+                <a:latin typeface="-apple-system"/>
+              </a:rPr>
+              <a:t>）一个是</a:t>
+            </a:r>
+            <a:r>
+              <a:rPr lang="en-US" altLang="zh-CN" b="0" i="0" dirty="0">
+                <a:solidFill>
+                  <a:srgbClr val="4D4D4D"/>
+                </a:solidFill>
+                <a:effectLst/>
+                <a:latin typeface="-apple-system"/>
+              </a:rPr>
+              <a:t>anaconda</a:t>
+            </a:r>
+            <a:r>
+              <a:rPr lang="zh-CN" altLang="en-US" b="0" i="0" dirty="0">
+                <a:solidFill>
+                  <a:srgbClr val="4D4D4D"/>
+                </a:solidFill>
+                <a:effectLst/>
+                <a:latin typeface="-apple-system"/>
+              </a:rPr>
+              <a:t>一个是</a:t>
+            </a:r>
+            <a:r>
+              <a:rPr lang="en-US" altLang="zh-CN" b="0" i="0" dirty="0" err="1">
+                <a:solidFill>
+                  <a:srgbClr val="4D4D4D"/>
+                </a:solidFill>
+                <a:effectLst/>
+                <a:latin typeface="-apple-system"/>
+              </a:rPr>
+              <a:t>miniconda</a:t>
+            </a:r>
+            <a:r>
+              <a:rPr lang="zh-CN" altLang="en-US" b="0" i="0" dirty="0">
+                <a:solidFill>
+                  <a:srgbClr val="4D4D4D"/>
+                </a:solidFill>
+                <a:effectLst/>
+                <a:latin typeface="-apple-system"/>
+              </a:rPr>
+              <a:t>，区别是，前者（</a:t>
+            </a:r>
+            <a:r>
+              <a:rPr lang="en-US" altLang="zh-CN" b="0" i="0" dirty="0">
+                <a:solidFill>
+                  <a:srgbClr val="4D4D4D"/>
+                </a:solidFill>
+                <a:effectLst/>
+                <a:latin typeface="-apple-system"/>
+              </a:rPr>
+              <a:t>former</a:t>
+            </a:r>
+            <a:r>
+              <a:rPr lang="zh-CN" altLang="en-US" b="0" i="0" dirty="0">
+                <a:solidFill>
+                  <a:srgbClr val="4D4D4D"/>
+                </a:solidFill>
+                <a:effectLst/>
+                <a:latin typeface="-apple-system"/>
+              </a:rPr>
+              <a:t>）有（十分卡顿（</a:t>
+            </a:r>
+            <a:r>
+              <a:rPr lang="en-US" altLang="zh-CN" b="0" i="0" dirty="0">
+                <a:solidFill>
+                  <a:srgbClr val="4D4D4D"/>
+                </a:solidFill>
+                <a:effectLst/>
+                <a:latin typeface="-apple-system"/>
+              </a:rPr>
+              <a:t>stuck </a:t>
+            </a:r>
+            <a:r>
+              <a:rPr lang="zh-CN" altLang="en-US" b="0" i="0" dirty="0">
+                <a:solidFill>
+                  <a:srgbClr val="4D4D4D"/>
+                </a:solidFill>
+                <a:effectLst/>
+                <a:latin typeface="-apple-system"/>
+              </a:rPr>
+              <a:t>）的）</a:t>
+            </a:r>
+            <a:r>
+              <a:rPr lang="en-US" altLang="zh-CN" b="0" i="0" dirty="0">
+                <a:solidFill>
+                  <a:srgbClr val="4D4D4D"/>
+                </a:solidFill>
+                <a:effectLst/>
+                <a:latin typeface="-apple-system"/>
+              </a:rPr>
+              <a:t>UI</a:t>
+            </a:r>
+            <a:r>
+              <a:rPr lang="zh-CN" altLang="en-US" b="0" i="0" dirty="0">
+                <a:solidFill>
+                  <a:srgbClr val="4D4D4D"/>
+                </a:solidFill>
+                <a:effectLst/>
+                <a:latin typeface="-apple-system"/>
+              </a:rPr>
+              <a:t>界面，但是界面操作（</a:t>
+            </a:r>
+            <a:r>
+              <a:rPr lang="en-US" altLang="zh-CN" b="0" i="0" dirty="0">
+                <a:solidFill>
+                  <a:srgbClr val="4D4D4D"/>
+                </a:solidFill>
+                <a:effectLst/>
+                <a:latin typeface="-apple-system"/>
+              </a:rPr>
+              <a:t>operation</a:t>
+            </a:r>
+            <a:r>
+              <a:rPr lang="zh-CN" altLang="en-US" b="0" i="0" dirty="0">
+                <a:solidFill>
+                  <a:srgbClr val="4D4D4D"/>
+                </a:solidFill>
+                <a:effectLst/>
+                <a:latin typeface="-apple-system"/>
+              </a:rPr>
+              <a:t>）非常适合新手（</a:t>
+            </a:r>
+            <a:r>
+              <a:rPr lang="en-US" altLang="zh-CN" b="0" i="0" dirty="0">
+                <a:solidFill>
+                  <a:srgbClr val="4D4D4D"/>
+                </a:solidFill>
+                <a:effectLst/>
+                <a:latin typeface="-apple-system"/>
+              </a:rPr>
+              <a:t>novices</a:t>
+            </a:r>
+            <a:r>
+              <a:rPr lang="zh-CN" altLang="en-US" b="0" i="0" dirty="0">
+                <a:solidFill>
+                  <a:srgbClr val="4D4D4D"/>
+                </a:solidFill>
+                <a:effectLst/>
+                <a:latin typeface="-apple-system"/>
+              </a:rPr>
+              <a:t>）。唯一的区别的就是</a:t>
+            </a:r>
+            <a:r>
+              <a:rPr lang="en-US" altLang="zh-CN" b="0" i="0" dirty="0" err="1">
+                <a:solidFill>
+                  <a:srgbClr val="4D4D4D"/>
+                </a:solidFill>
+                <a:effectLst/>
+                <a:latin typeface="-apple-system"/>
+              </a:rPr>
+              <a:t>miniconda</a:t>
+            </a:r>
+            <a:r>
+              <a:rPr lang="zh-CN" altLang="en-US" b="0" i="0" dirty="0">
+                <a:solidFill>
+                  <a:srgbClr val="4D4D4D"/>
+                </a:solidFill>
+                <a:effectLst/>
+                <a:latin typeface="-apple-system"/>
+              </a:rPr>
+              <a:t>占用的空间少，但是一切操作都需要命令。</a:t>
+            </a:r>
+            <a:endParaRPr lang="en-US" altLang="zh-CN" b="0" i="0" dirty="0">
+              <a:solidFill>
+                <a:srgbClr val="4D4D4D"/>
+              </a:solidFill>
+              <a:effectLst/>
+              <a:latin typeface="-apple-system"/>
+            </a:endParaRPr>
+          </a:p>
+          <a:p>
+            <a:pPr marL="0" marR="0" lvl="0" indent="0" algn="l" defTabSz="914400" rtl="0" eaLnBrk="1" fontAlgn="auto" latinLnBrk="1" hangingPunct="1">
+              <a:lnSpc>
+                <a:spcPct val="100000"/>
+              </a:lnSpc>
+              <a:spcBef>
+                <a:spcPts val="0"/>
+              </a:spcBef>
+              <a:spcAft>
+                <a:spcPts val="0"/>
+              </a:spcAft>
+              <a:buClrTx/>
+              <a:buSzTx/>
+              <a:buFontTx/>
+              <a:buNone/>
+              <a:tabLst/>
+              <a:defRPr/>
+            </a:pPr>
+            <a:r>
+              <a:rPr lang="zh-CN" altLang="en-US" b="0" i="0" dirty="0">
+                <a:solidFill>
+                  <a:srgbClr val="4D4D4D"/>
+                </a:solidFill>
+                <a:effectLst/>
+                <a:latin typeface="-apple-system"/>
+              </a:rPr>
+              <a:t>。这里推荐</a:t>
+            </a:r>
+            <a:r>
+              <a:rPr lang="en-US" altLang="zh-CN" b="0" i="0" dirty="0" err="1">
+                <a:solidFill>
+                  <a:srgbClr val="4D4D4D"/>
+                </a:solidFill>
+                <a:effectLst/>
+                <a:latin typeface="-apple-system"/>
+              </a:rPr>
+              <a:t>miniconda</a:t>
+            </a:r>
+            <a:r>
+              <a:rPr lang="zh-CN" altLang="en-US" b="0" i="0" dirty="0">
+                <a:solidFill>
+                  <a:srgbClr val="4D4D4D"/>
+                </a:solidFill>
+                <a:effectLst/>
+                <a:latin typeface="-apple-system"/>
+              </a:rPr>
+              <a:t>，方便快捷。但是如果你是第一次使用</a:t>
+            </a:r>
+            <a:r>
+              <a:rPr lang="en-US" altLang="zh-CN" b="0" i="0" dirty="0" err="1">
+                <a:solidFill>
+                  <a:srgbClr val="4D4D4D"/>
+                </a:solidFill>
+                <a:effectLst/>
+                <a:latin typeface="-apple-system"/>
+              </a:rPr>
+              <a:t>conda</a:t>
+            </a:r>
+            <a:r>
+              <a:rPr lang="zh-CN" altLang="en-US" b="0" i="0" dirty="0">
+                <a:solidFill>
+                  <a:srgbClr val="4D4D4D"/>
+                </a:solidFill>
+                <a:effectLst/>
+                <a:latin typeface="-apple-system"/>
+              </a:rPr>
+              <a:t>，也可以从</a:t>
+            </a:r>
+            <a:r>
+              <a:rPr lang="en-US" altLang="zh-CN" b="0" i="0" dirty="0">
+                <a:solidFill>
+                  <a:srgbClr val="4D4D4D"/>
+                </a:solidFill>
+                <a:effectLst/>
+                <a:latin typeface="-apple-system"/>
+              </a:rPr>
+              <a:t>anaconda</a:t>
+            </a:r>
+            <a:r>
+              <a:rPr lang="zh-CN" altLang="en-US" b="0" i="0" dirty="0">
+                <a:solidFill>
+                  <a:srgbClr val="4D4D4D"/>
+                </a:solidFill>
+                <a:effectLst/>
+                <a:latin typeface="-apple-system"/>
+              </a:rPr>
+              <a:t>入手</a:t>
+            </a:r>
             <a:br>
               <a:rPr lang="en-US" altLang="zh-CN" dirty="0"/>
             </a:br>
@@ -3672,7 +3933,42 @@
           <a:bodyPr/>
           <a:lstStyle/>
           <a:p>
-            <a:endParaRPr lang="zh-CN" altLang="en-US" dirty="0"/>
+            <a:r>
+              <a:rPr lang="zh-CN" altLang="en-US" dirty="0"/>
+              <a:t>总而言之，你可以使用</a:t>
+            </a:r>
+            <a:r>
+              <a:rPr lang="en-US" altLang="zh-CN" dirty="0"/>
+              <a:t>docker</a:t>
+            </a:r>
+            <a:r>
+              <a:rPr lang="zh-CN" altLang="en-US" dirty="0"/>
+              <a:t>将你的开发环境（</a:t>
+            </a:r>
+            <a:r>
+              <a:rPr lang="en-US" altLang="zh-CN" dirty="0"/>
+              <a:t>development environment</a:t>
+            </a:r>
+            <a:r>
+              <a:rPr lang="zh-CN" altLang="en-US" dirty="0"/>
+              <a:t>）打包（</a:t>
+            </a:r>
+            <a:r>
+              <a:rPr lang="en-US" altLang="zh-CN" dirty="0"/>
+              <a:t>package</a:t>
+            </a:r>
+            <a:r>
+              <a:rPr lang="zh-CN" altLang="en-US" dirty="0"/>
+              <a:t>）进这个容器中，然后发布（</a:t>
+            </a:r>
+            <a:r>
+              <a:rPr lang="en-US" altLang="zh-CN" dirty="0"/>
+              <a:t>publish</a:t>
+            </a:r>
+            <a:r>
+              <a:rPr lang="zh-CN" altLang="en-US" dirty="0"/>
+              <a:t>）到任意计算机</a:t>
+            </a:r>
           </a:p>
         </p:txBody>
       </p:sp>
@@ -12549,8 +12845,8 @@
         </p:nvSpPr>
         <p:spPr>
           <a:xfrm>
-            <a:off x="609480" y="1418400"/>
-            <a:ext cx="6364076" cy="1366575"/>
+            <a:off x="186571" y="2011852"/>
+            <a:ext cx="5512783" cy="369333"/>
           </a:xfrm>
         </p:spPr>
         <p:txBody>
@@ -12559,7 +12855,13 @@
           <a:p>
             <a:r>
               <a:rPr lang="en-US" altLang="zh-CN" sz="1600" dirty="0">
-                <a:hlinkClick r:id="rId3"/>
+                <a:hlinkClick r:id="rId3">
+                  <a:extLst>
+                    <a:ext uri="{A12FA001-AC4F-418D-AE19-62706E023703}">
+                      <ahyp:hlinkClr xmlns:ahyp="http://schemas.microsoft.com/office/drawing/2018/hyperlinkcolor" val="tx"/>
+                    </a:ext>
+                  </a:extLst>
+                </a:hlinkClick>
               </a:rPr>
               <a:t>https://www.anaconda.com/products/individual#Downloads</a:t>
             </a:r>
@@ -12592,7 +12894,7 @@
         </p:blipFill>
         <p:spPr>
           <a:xfrm>
-            <a:off x="3252016" y="2919237"/>
+            <a:off x="0" y="3022061"/>
             <a:ext cx="5687367" cy="2909509"/>
           </a:xfrm>
           <a:prstGeom prst="rect">
@@ -12600,6 +12902,88 @@
           </a:prstGeom>
         </p:spPr>
       </p:pic>
+      <p:pic>
+        <p:nvPicPr>
+          <p:cNvPr id="6" name="图片 5">
+            <a:extLst>
+              <a:ext uri="{FF2B5EF4-FFF2-40B4-BE49-F238E27FC236}">
+                <a16:creationId xmlns:a16="http://schemas.microsoft.com/office/drawing/2014/main" id="{B2FAEA37-DC6E-430E-9134-F49929F4F0CB}"/>
+              </a:ext>
+            </a:extLst>
+          </p:cNvPr>
+          <p:cNvPicPr>
+            <a:picLocks noChangeAspect="1"/>
+          </p:cNvPicPr>
+          <p:nvPr/>
+        </p:nvPicPr>
+        <p:blipFill>
+          <a:blip r:embed="rId5"/>
+          <a:stretch>
+            <a:fillRect/>
+          </a:stretch>
+        </p:blipFill>
+        <p:spPr>
+          <a:xfrm>
+            <a:off x="6000086" y="2919237"/>
+            <a:ext cx="6191914" cy="2909509"/>
+          </a:xfrm>
+          <a:prstGeom prst="rect">
+            <a:avLst/>
+          </a:prstGeom>
+        </p:spPr>
+      </p:pic>
+      <p:sp>
+        <p:nvSpPr>
+          <p:cNvPr id="8" name="文本框 7">
+            <a:extLst>
+              <a:ext uri="{FF2B5EF4-FFF2-40B4-BE49-F238E27FC236}">
+                <a16:creationId xmlns:a16="http://schemas.microsoft.com/office/drawing/2014/main" id="{42F0A27E-2F1F-412A-A488-9D349FE69F02}"/>
+              </a:ext>
+            </a:extLst>
+          </p:cNvPr>
+          <p:cNvSpPr txBox="1"/>
+          <p:nvPr/>
+        </p:nvSpPr>
+        <p:spPr>
+          <a:xfrm>
+            <a:off x="5884329" y="1925789"/>
+            <a:ext cx="6121100" cy="313932"/>
+          </a:xfrm>
+          <a:prstGeom prst="rect">
+            <a:avLst/>
+          </a:prstGeom>
+          <a:noFill/>
+        </p:spPr>
+        <p:txBody>
+          <a:bodyPr wrap="square">
+            <a:spAutoFit/>
+          </a:bodyPr>
+          <a:lstStyle/>
+          <a:p>
+            <a:pPr>
+              <a:lnSpc>
+                <a:spcPct val="90000"/>
+              </a:lnSpc>
+              <a:spcBef>
+                <a:spcPct val="0"/>
+              </a:spcBef>
+            </a:pPr>
+            <a:r>
+              <a:rPr lang="en-US" altLang="zh-CN" sz="1600" dirty="0">
+                <a:latin typeface="+mj-lt"/>
+                <a:ea typeface="+mj-ea"/>
+                <a:cs typeface="+mj-cs"/>
+              </a:rPr>
+              <a:t>https://docs.conda.io/projects/conda/en/latest/user-guide/install/</a:t>
+            </a:r>
+            <a:endParaRPr lang="zh-CN" altLang="en-US" sz="1600" dirty="0">
+              <a:latin typeface="+mj-lt"/>
+              <a:ea typeface="+mj-ea"/>
+              <a:cs typeface="+mj-cs"/>
+            </a:endParaRPr>
+          </a:p>
+        </p:txBody>
+      </p:sp>
     </p:spTree>
     <p:extLst>
       <p:ext uri="{BB962C8B-B14F-4D97-AF65-F5344CB8AC3E}">

--- a/BEP/modified ppt/anaconda&docker.pptx
+++ b/BEP/modified ppt/anaconda&docker.pptx
@@ -890,7 +890,27 @@
                 <a:effectLst/>
                 <a:latin typeface="Helvetica Neue"/>
               </a:rPr>
-              <a:t>客户端</a:t>
+              <a:t>客户端（</a:t>
+            </a:r>
+            <a:r>
+              <a:rPr lang="en-US" altLang="zh-CN" b="1" i="0" dirty="0">
+                <a:solidFill>
+                  <a:srgbClr val="333333"/>
+                </a:solidFill>
+                <a:effectLst/>
+                <a:latin typeface="Helvetica Neue"/>
+              </a:rPr>
+              <a:t>client</a:t>
+            </a:r>
+            <a:r>
+              <a:rPr lang="zh-CN" altLang="en-US" b="1" i="0" dirty="0">
+                <a:solidFill>
+                  <a:srgbClr val="333333"/>
+                </a:solidFill>
+                <a:effectLst/>
+                <a:latin typeface="Helvetica Neue"/>
+              </a:rPr>
+              <a:t>）</a:t>
             </a:r>
           </a:p>
           <a:p>
@@ -1003,7 +1023,27 @@
                 <a:effectLst/>
                 <a:latin typeface="Helvetica Neue"/>
               </a:rPr>
-              <a:t>docker command --help</a:t>
+              <a:t>docker </a:t>
+            </a:r>
+            <a:r>
+              <a:rPr lang="en-US" altLang="zh-CN" b="1" i="0" dirty="0" err="1">
+                <a:solidFill>
+                  <a:srgbClr val="333333"/>
+                </a:solidFill>
+                <a:effectLst/>
+                <a:latin typeface="Helvetica Neue"/>
+              </a:rPr>
+              <a:t>commond</a:t>
+            </a:r>
+            <a:r>
+              <a:rPr lang="en-US" altLang="zh-CN" b="1" i="0" dirty="0">
+                <a:solidFill>
+                  <a:srgbClr val="333333"/>
+                </a:solidFill>
+                <a:effectLst/>
+                <a:latin typeface="Helvetica Neue"/>
+              </a:rPr>
+              <a:t> --help</a:t>
             </a:r>
             <a:r>
               <a:rPr lang="en-US" altLang="zh-CN" b="0" i="0" dirty="0">
@@ -1801,7 +1841,7 @@
                 <a:effectLst/>
                 <a:latin typeface="Helvetica Neue"/>
               </a:rPr>
-              <a:t>前面我们实现了通过网络端口来访问运行在 </a:t>
+              <a:t>前面我们实现了（</a:t>
             </a:r>
             <a:r>
               <a:rPr lang="en-US" altLang="zh-CN" b="0" i="0" dirty="0">
@@ -1811,6 +1851,26 @@
                 <a:effectLst/>
                 <a:latin typeface="Helvetica Neue"/>
               </a:rPr>
+              <a:t>Achieved</a:t>
+            </a:r>
+            <a:r>
+              <a:rPr lang="zh-CN" altLang="en-US" b="0" i="0" dirty="0">
+                <a:solidFill>
+                  <a:srgbClr val="333333"/>
+                </a:solidFill>
+                <a:effectLst/>
+                <a:latin typeface="Helvetica Neue"/>
+              </a:rPr>
+              <a:t>）通过网络端口来访问运行在 </a:t>
+            </a:r>
+            <a:r>
+              <a:rPr lang="en-US" altLang="zh-CN" b="0" i="0" dirty="0">
+                <a:solidFill>
+                  <a:srgbClr val="333333"/>
+                </a:solidFill>
+                <a:effectLst/>
+                <a:latin typeface="Helvetica Neue"/>
+              </a:rPr>
               <a:t>docker </a:t>
             </a:r>
             <a:r>
@@ -1825,7 +1885,23 @@
             </a:r>
           </a:p>
           <a:p>
-            <a:pPr algn="l" latinLnBrk="1"/>
+            <a:pPr marL="0" marR="0" lvl="0" indent="0" algn="l" defTabSz="914400" rtl="0" eaLnBrk="1" fontAlgn="auto" latinLnBrk="1" hangingPunct="1">
+              <a:lnSpc>
+                <a:spcPct val="100000"/>
+              </a:lnSpc>
+              <a:spcBef>
+                <a:spcPts val="0"/>
+              </a:spcBef>
+              <a:spcAft>
+                <a:spcPts val="0"/>
+              </a:spcAft>
+              <a:buClrTx/>
+              <a:buSzTx/>
+              <a:buFontTx/>
+              <a:buNone/>
+              <a:tabLst/>
+              <a:defRPr/>
+            </a:pPr>
             <a:r>
               <a:rPr lang="zh-CN" altLang="en-US" b="0" i="0" dirty="0">
                 <a:solidFill>
@@ -1874,7 +1950,21 @@
                 <a:effectLst/>
                 <a:latin typeface="Helvetica Neue"/>
               </a:rPr>
-              <a:t> 参数来指定端口映射。</a:t>
+              <a:t> 参数来指定端口映射。（</a:t>
+            </a:r>
+            <a:r>
+              <a:rPr lang="en-US" altLang="zh-CN" dirty="0"/>
+              <a:t>Network port mapping</a:t>
+            </a:r>
+            <a:r>
+              <a:rPr lang="zh-CN" altLang="en-US" b="0" i="0" dirty="0">
+                <a:solidFill>
+                  <a:srgbClr val="333333"/>
+                </a:solidFill>
+                <a:effectLst/>
+                <a:latin typeface="Helvetica Neue"/>
+              </a:rPr>
+              <a:t>）</a:t>
             </a:r>
           </a:p>
           <a:p>
@@ -2269,7 +2359,27 @@
                 <a:effectLst/>
                 <a:latin typeface="Helvetica Neue"/>
               </a:rPr>
-              <a:t>上面的例子中，默认都是绑定 </a:t>
+              <a:t>上面的例子中，默认都是绑定 （</a:t>
+            </a:r>
+            <a:r>
+              <a:rPr lang="en-US" altLang="zh-CN" b="0" i="0" dirty="0">
+                <a:solidFill>
+                  <a:srgbClr val="333333"/>
+                </a:solidFill>
+                <a:effectLst/>
+                <a:latin typeface="Helvetica Neue"/>
+              </a:rPr>
+              <a:t>bind</a:t>
+            </a:r>
+            <a:r>
+              <a:rPr lang="zh-CN" altLang="en-US" b="0" i="0" dirty="0">
+                <a:solidFill>
+                  <a:srgbClr val="333333"/>
+                </a:solidFill>
+                <a:effectLst/>
+                <a:latin typeface="Helvetica Neue"/>
+              </a:rPr>
+              <a:t>）</a:t>
             </a:r>
             <a:r>
               <a:rPr lang="en-US" altLang="zh-CN" b="0" i="0" dirty="0" err="1">
@@ -3814,7 +3924,46 @@
           <a:bodyPr/>
           <a:lstStyle/>
           <a:p>
-            <a:endParaRPr lang="zh-CN" altLang="en-US" dirty="0"/>
+            <a:r>
+              <a:rPr lang="en-US" altLang="zh-CN" dirty="0" err="1"/>
+              <a:t>conda</a:t>
+            </a:r>
+            <a:r>
+              <a:rPr lang="en-US" altLang="zh-CN" dirty="0"/>
+              <a:t> config --show channels</a:t>
+            </a:r>
+          </a:p>
+          <a:p>
+            <a:r>
+              <a:rPr lang="en-US" altLang="zh-CN" dirty="0" err="1"/>
+              <a:t>conda</a:t>
+            </a:r>
+            <a:r>
+              <a:rPr lang="en-US" altLang="zh-CN" dirty="0"/>
+              <a:t> config --add channels https://</a:t>
+            </a:r>
+            <a:r>
+              <a:rPr lang="en-US" altLang="zh-CN" dirty="0" err="1"/>
+              <a:t>repo.anaconda.com</a:t>
+            </a:r>
+            <a:r>
+              <a:rPr lang="en-US" altLang="zh-CN" dirty="0"/>
+              <a:t>/pkgs/main</a:t>
+            </a:r>
+          </a:p>
+          <a:p>
+            <a:r>
+              <a:rPr lang="en-US" altLang="zh-CN" dirty="0" err="1"/>
+              <a:t>conda</a:t>
+            </a:r>
+            <a:r>
+              <a:rPr lang="en-US" altLang="zh-CN" dirty="0"/>
+              <a:t> config --remove channels </a:t>
+            </a:r>
+            <a:r>
+              <a:rPr lang="zh-CN" altLang="en-US" dirty="0"/>
+              <a:t>镜像源地址</a:t>
+            </a:r>
           </a:p>
         </p:txBody>
       </p:sp>
@@ -4331,17 +4480,7 @@
                 <a:effectLst/>
                 <a:latin typeface="Helvetica Neue"/>
               </a:rPr>
-              <a:t>Container</a:t>
-            </a:r>
-            <a:r>
-              <a:rPr lang="zh-CN" altLang="en-US" b="1" i="0" dirty="0">
-                <a:solidFill>
-                  <a:srgbClr val="333333"/>
-                </a:solidFill>
-                <a:effectLst/>
-                <a:latin typeface="Helvetica Neue"/>
-              </a:rPr>
-              <a:t>）</a:t>
+              <a:t>Container)</a:t>
             </a:r>
             <a:r>
               <a:rPr lang="zh-CN" altLang="en-US" b="0" i="0" dirty="0">
@@ -5232,7 +5371,27 @@
                 <a:effectLst/>
                 <a:latin typeface="Helvetica Neue"/>
               </a:rPr>
-              <a:t>允许你在容器内运行应用程序， 使用 </a:t>
+              <a:t>允许你在容器内运行应用程序</a:t>
+            </a:r>
+            <a:r>
+              <a:rPr lang="en-US" altLang="zh-CN" b="0" i="0" dirty="0">
+                <a:solidFill>
+                  <a:srgbClr val="333333"/>
+                </a:solidFill>
+                <a:effectLst/>
+                <a:latin typeface="Helvetica Neue"/>
+              </a:rPr>
+              <a:t>(executable file)</a:t>
+            </a:r>
+            <a:r>
+              <a:rPr lang="zh-CN" altLang="en-US" b="0" i="0" dirty="0">
+                <a:solidFill>
+                  <a:srgbClr val="333333"/>
+                </a:solidFill>
+                <a:effectLst/>
+                <a:latin typeface="Helvetica Neue"/>
+              </a:rPr>
+              <a:t>， 使用 </a:t>
             </a:r>
             <a:r>
               <a:rPr lang="en-US" altLang="zh-CN" b="1" i="0" dirty="0">
@@ -5308,8 +5467,70 @@
                 <a:effectLst/>
                 <a:latin typeface="Helvetica Neue"/>
               </a:rPr>
-              <a:t>各个参数解析：</a:t>
-            </a:r>
+              <a:t>各个参数解析</a:t>
+            </a:r>
+            <a:r>
+              <a:rPr lang="en-US" altLang="zh-CN" b="0" i="0" dirty="0">
+                <a:solidFill>
+                  <a:srgbClr val="333333"/>
+                </a:solidFill>
+                <a:effectLst/>
+                <a:latin typeface="Helvetica Neue"/>
+                <a:sym typeface="Wingdings" pitchFamily="2" charset="2"/>
+              </a:rPr>
+              <a:t>(</a:t>
+            </a:r>
+            <a:r>
+              <a:rPr lang="zh-CN" altLang="en-US" b="0" i="0" dirty="0">
+                <a:solidFill>
+                  <a:srgbClr val="333333"/>
+                </a:solidFill>
+                <a:effectLst/>
+                <a:latin typeface="Helvetica Neue"/>
+                <a:sym typeface="Wingdings" pitchFamily="2" charset="2"/>
+              </a:rPr>
+              <a:t>照着</a:t>
+            </a:r>
+            <a:r>
+              <a:rPr lang="en-US" altLang="zh-CN" b="0" i="0" dirty="0">
+                <a:solidFill>
+                  <a:srgbClr val="333333"/>
+                </a:solidFill>
+                <a:effectLst/>
+                <a:latin typeface="Helvetica Neue"/>
+                <a:sym typeface="Wingdings" pitchFamily="2" charset="2"/>
+              </a:rPr>
+              <a:t>ppt</a:t>
+            </a:r>
+            <a:r>
+              <a:rPr lang="zh-CN" altLang="en-US" b="0" i="0" dirty="0">
+                <a:solidFill>
+                  <a:srgbClr val="333333"/>
+                </a:solidFill>
+                <a:effectLst/>
+                <a:latin typeface="Helvetica Neue"/>
+                <a:sym typeface="Wingdings" pitchFamily="2" charset="2"/>
+              </a:rPr>
+              <a:t>念</a:t>
+            </a:r>
+            <a:r>
+              <a:rPr lang="en-US" altLang="zh-CN" b="0" i="0" dirty="0">
+                <a:solidFill>
+                  <a:srgbClr val="333333"/>
+                </a:solidFill>
+                <a:effectLst/>
+                <a:latin typeface="Helvetica Neue"/>
+                <a:sym typeface="Wingdings" pitchFamily="2" charset="2"/>
+              </a:rPr>
+              <a:t>)</a:t>
+            </a:r>
+            <a:endParaRPr lang="zh-CN" altLang="en-US" b="0" i="0" dirty="0">
+              <a:solidFill>
+                <a:srgbClr val="333333"/>
+              </a:solidFill>
+              <a:effectLst/>
+              <a:latin typeface="Helvetica Neue"/>
+            </a:endParaRPr>
           </a:p>
           <a:p>
             <a:pPr algn="l" latinLnBrk="1">
@@ -11233,7 +11454,23 @@
           <a:p>
             <a:r>
               <a:rPr lang="zh-CN" altLang="en-US" dirty="0"/>
-              <a:t>ubuntu:15.10 Specify the image to be run. Docker first checks whether the image exists on the local host. If it does not exist, Docker will download the public image from the mirror repository Docker Hub.</a:t>
+              <a:t>ubuntu:15.10 Specify the image to be run.    Docker first checks whether the image exists on the local host. If it does not exist, Docker will download the public image from the </a:t>
+            </a:r>
+            <a:r>
+              <a:rPr lang="en-US" altLang="zh-CN" dirty="0"/>
+              <a:t>image</a:t>
+            </a:r>
+            <a:r>
+              <a:rPr lang="zh-CN" altLang="en-US" dirty="0"/>
+              <a:t> repository </a:t>
+            </a:r>
+            <a:r>
+              <a:rPr lang="en-US" altLang="zh-CN" dirty="0"/>
+              <a:t>from</a:t>
+            </a:r>
+            <a:r>
+              <a:rPr lang="zh-CN" altLang="en-US" dirty="0"/>
+              <a:t> Docker Hub.</a:t>
             </a:r>
           </a:p>
           <a:p>
@@ -11546,16 +11783,16 @@
           <a:lstStyle/>
           <a:p>
             <a:r>
-              <a:rPr lang="en-US" altLang="zh-CN" dirty="0"/>
+              <a:rPr lang="en-US" altLang="zh-CN" sz="1800" dirty="0"/>
               <a:t>Manage and use local Docker host image</a:t>
             </a:r>
           </a:p>
           <a:p>
             <a:r>
-              <a:rPr lang="en-US" altLang="zh-CN" dirty="0"/>
+              <a:rPr lang="en-US" altLang="zh-CN" sz="1800" dirty="0"/>
               <a:t>Create a image</a:t>
             </a:r>
-            <a:endParaRPr lang="zh-CN" altLang="en-US" dirty="0"/>
+            <a:endParaRPr lang="zh-CN" altLang="en-US" sz="1800" dirty="0"/>
           </a:p>
         </p:txBody>
       </p:sp>
@@ -11671,7 +11908,15 @@
           <a:p>
             <a:r>
               <a:rPr lang="zh-CN" altLang="en-US" dirty="0"/>
-              <a:t>TAG: Mirrored tag</a:t>
+              <a:t>TAG: </a:t>
+            </a:r>
+            <a:r>
+              <a:rPr lang="en-US" altLang="zh-CN" dirty="0"/>
+              <a:t>image</a:t>
+            </a:r>
+            <a:r>
+              <a:rPr lang="zh-CN" altLang="en-US" dirty="0"/>
+              <a:t> tag</a:t>
             </a:r>
           </a:p>
           <a:p>
@@ -11689,7 +11934,15 @@
           <a:p>
             <a:r>
               <a:rPr lang="zh-CN" altLang="en-US" dirty="0"/>
-              <a:t>CREATED: Mirror creation time</a:t>
+              <a:t>CREATED: </a:t>
+            </a:r>
+            <a:r>
+              <a:rPr lang="en-US" altLang="zh-CN" dirty="0"/>
+              <a:t>image</a:t>
+            </a:r>
+            <a:r>
+              <a:rPr lang="zh-CN" altLang="en-US" dirty="0"/>
+              <a:t> creation time</a:t>
             </a:r>
           </a:p>
           <a:p>
@@ -12728,7 +12981,23 @@
                 <a:latin typeface="Times New Roman" panose="02020603050405020304" pitchFamily="18" charset="0"/>
                 <a:cs typeface="Times New Roman" panose="02020603050405020304" pitchFamily="18" charset="0"/>
               </a:rPr>
-              <a:t> easily creates, saves, loads and switches between environments on your local computer. It was created for Python programs, but it can package and distribute software for any language.</a:t>
+              <a:t> easily creates, saves, loads and switches between environments on your local computer. It was created for Python programs, but it can </a:t>
+            </a:r>
+            <a:r>
+              <a:rPr lang="zh-CN" altLang="en-US" i="0" dirty="0">
+                <a:effectLst/>
+                <a:latin typeface="Times New Roman" panose="02020603050405020304" pitchFamily="18" charset="0"/>
+                <a:cs typeface="Times New Roman" panose="02020603050405020304" pitchFamily="18" charset="0"/>
+              </a:rPr>
+              <a:t> </a:t>
+            </a:r>
+            <a:r>
+              <a:rPr lang="en-US" altLang="zh-CN" i="0" dirty="0">
+                <a:effectLst/>
+                <a:latin typeface="Times New Roman" panose="02020603050405020304" pitchFamily="18" charset="0"/>
+                <a:cs typeface="Times New Roman" panose="02020603050405020304" pitchFamily="18" charset="0"/>
+              </a:rPr>
+              <a:t>package and distribute software for any language.</a:t>
             </a:r>
             <a:endParaRPr lang="zh-CN" altLang="en-US" dirty="0">
               <a:latin typeface="Times New Roman" panose="02020603050405020304" pitchFamily="18" charset="0"/>
